--- a/Presentations/Pitch for 25.07/Pitch 25.07 - Immigrant students in Europe_giulia.pptx
+++ b/Presentations/Pitch for 25.07/Pitch 25.07 - Immigrant students in Europe_giulia.pptx
@@ -3507,8 +3507,13 @@
             </a:r>
             <a:r>
               <a:rPr lang="en-US" sz="1600" dirty="0"/>
-              <a:t> di Milano 2021-2022</a:t>
-            </a:r>
+              <a:t> di </a:t>
+            </a:r>
+            <a:r>
+              <a:rPr lang="en-US" sz="1600"/>
+              <a:t>Milano 2021/2022</a:t>
+            </a:r>
+            <a:endParaRPr lang="en-US" sz="1600" dirty="0"/>
           </a:p>
         </p:txBody>
       </p:sp>
